--- a/Presentations/ArtificialNeuralNetwork-Vibhuti.pptx
+++ b/Presentations/ArtificialNeuralNetwork-Vibhuti.pptx
@@ -280,7 +280,7 @@
             <a:fld id="{98BFDCCA-FFB9-49F6-B56E-F6432283D67C}" type="datetimeFigureOut">
               <a:rPr lang="en-US" smtClean="0"/>
               <a:pPr/>
-              <a:t>2/18/2025</a:t>
+              <a:t>2/20/2025</a:t>
             </a:fld>
             <a:endParaRPr lang="en-US"/>
           </a:p>
@@ -725,7 +725,7 @@
             <a:fld id="{9099FEDA-6AC3-495C-A467-2B0399D71BB7}" type="datetimeFigureOut">
               <a:rPr lang="en-US" smtClean="0"/>
               <a:pPr/>
-              <a:t>2/18/2025</a:t>
+              <a:t>2/20/2025</a:t>
             </a:fld>
             <a:endParaRPr lang="en-US"/>
           </a:p>
@@ -890,7 +890,7 @@
             <a:fld id="{9099FEDA-6AC3-495C-A467-2B0399D71BB7}" type="datetimeFigureOut">
               <a:rPr lang="en-US" smtClean="0"/>
               <a:pPr/>
-              <a:t>2/18/2025</a:t>
+              <a:t>2/20/2025</a:t>
             </a:fld>
             <a:endParaRPr lang="en-US"/>
           </a:p>
@@ -1065,7 +1065,7 @@
             <a:fld id="{9099FEDA-6AC3-495C-A467-2B0399D71BB7}" type="datetimeFigureOut">
               <a:rPr lang="en-US" smtClean="0"/>
               <a:pPr/>
-              <a:t>2/18/2025</a:t>
+              <a:t>2/20/2025</a:t>
             </a:fld>
             <a:endParaRPr lang="en-US"/>
           </a:p>
@@ -1230,7 +1230,7 @@
             <a:fld id="{9099FEDA-6AC3-495C-A467-2B0399D71BB7}" type="datetimeFigureOut">
               <a:rPr lang="en-US" smtClean="0"/>
               <a:pPr/>
-              <a:t>2/18/2025</a:t>
+              <a:t>2/20/2025</a:t>
             </a:fld>
             <a:endParaRPr lang="en-US"/>
           </a:p>
@@ -1472,7 +1472,7 @@
             <a:fld id="{9099FEDA-6AC3-495C-A467-2B0399D71BB7}" type="datetimeFigureOut">
               <a:rPr lang="en-US" smtClean="0"/>
               <a:pPr/>
-              <a:t>2/18/2025</a:t>
+              <a:t>2/20/2025</a:t>
             </a:fld>
             <a:endParaRPr lang="en-US"/>
           </a:p>
@@ -1754,7 +1754,7 @@
             <a:fld id="{9099FEDA-6AC3-495C-A467-2B0399D71BB7}" type="datetimeFigureOut">
               <a:rPr lang="en-US" smtClean="0"/>
               <a:pPr/>
-              <a:t>2/18/2025</a:t>
+              <a:t>2/20/2025</a:t>
             </a:fld>
             <a:endParaRPr lang="en-US"/>
           </a:p>
@@ -2170,7 +2170,7 @@
             <a:fld id="{9099FEDA-6AC3-495C-A467-2B0399D71BB7}" type="datetimeFigureOut">
               <a:rPr lang="en-US" smtClean="0"/>
               <a:pPr/>
-              <a:t>2/18/2025</a:t>
+              <a:t>2/20/2025</a:t>
             </a:fld>
             <a:endParaRPr lang="en-US"/>
           </a:p>
@@ -2284,7 +2284,7 @@
             <a:fld id="{9099FEDA-6AC3-495C-A467-2B0399D71BB7}" type="datetimeFigureOut">
               <a:rPr lang="en-US" smtClean="0"/>
               <a:pPr/>
-              <a:t>2/18/2025</a:t>
+              <a:t>2/20/2025</a:t>
             </a:fld>
             <a:endParaRPr lang="en-US"/>
           </a:p>
@@ -2376,7 +2376,7 @@
             <a:fld id="{9099FEDA-6AC3-495C-A467-2B0399D71BB7}" type="datetimeFigureOut">
               <a:rPr lang="en-US" smtClean="0"/>
               <a:pPr/>
-              <a:t>2/18/2025</a:t>
+              <a:t>2/20/2025</a:t>
             </a:fld>
             <a:endParaRPr lang="en-US"/>
           </a:p>
@@ -2648,7 +2648,7 @@
             <a:fld id="{9099FEDA-6AC3-495C-A467-2B0399D71BB7}" type="datetimeFigureOut">
               <a:rPr lang="en-US" smtClean="0"/>
               <a:pPr/>
-              <a:t>2/18/2025</a:t>
+              <a:t>2/20/2025</a:t>
             </a:fld>
             <a:endParaRPr lang="en-US"/>
           </a:p>
@@ -2897,7 +2897,7 @@
             <a:fld id="{9099FEDA-6AC3-495C-A467-2B0399D71BB7}" type="datetimeFigureOut">
               <a:rPr lang="en-US" smtClean="0"/>
               <a:pPr/>
-              <a:t>2/18/2025</a:t>
+              <a:t>2/20/2025</a:t>
             </a:fld>
             <a:endParaRPr lang="en-US"/>
           </a:p>
@@ -3105,7 +3105,7 @@
             <a:fld id="{9099FEDA-6AC3-495C-A467-2B0399D71BB7}" type="datetimeFigureOut">
               <a:rPr lang="en-US" smtClean="0"/>
               <a:pPr/>
-              <a:t>2/18/2025</a:t>
+              <a:t>2/20/2025</a:t>
             </a:fld>
             <a:endParaRPr lang="en-US"/>
           </a:p>
@@ -22076,8 +22076,8 @@
           </a:p>
         </p:txBody>
       </p:sp>
-      <mc:AlternateContent xmlns:mc="http://schemas.openxmlformats.org/markup-compatibility/2006">
-        <mc:Choice xmlns:a14="http://schemas.microsoft.com/office/drawing/2010/main" Requires="a14">
+      <mc:AlternateContent xmlns:mc="http://schemas.openxmlformats.org/markup-compatibility/2006" xmlns:a14="http://schemas.microsoft.com/office/drawing/2010/main">
+        <mc:Choice Requires="a14">
           <p:sp>
             <p:nvSpPr>
               <p:cNvPr id="1027" name="Object 3"/>
@@ -22237,7 +22237,7 @@
             </p:txBody>
           </p:sp>
         </mc:Choice>
-        <mc:Fallback>
+        <mc:Fallback xmlns="">
           <p:sp>
             <p:nvSpPr>
               <p:cNvPr id="1027" name="Object 3"/>
@@ -22874,8 +22874,8 @@
           </a:prstGeom>
         </p:spPr>
       </p:pic>
-      <mc:AlternateContent xmlns:mc="http://schemas.openxmlformats.org/markup-compatibility/2006">
-        <mc:Choice xmlns:a14="http://schemas.microsoft.com/office/drawing/2010/main" Requires="a14">
+      <mc:AlternateContent xmlns:mc="http://schemas.openxmlformats.org/markup-compatibility/2006" xmlns:a14="http://schemas.microsoft.com/office/drawing/2010/main">
+        <mc:Choice Requires="a14">
           <p:sp>
             <p:nvSpPr>
               <p:cNvPr id="6146" name="Object 2"/>
@@ -23183,7 +23183,7 @@
             </p:txBody>
           </p:sp>
         </mc:Choice>
-        <mc:Fallback>
+        <mc:Fallback xmlns="">
           <p:sp>
             <p:nvSpPr>
               <p:cNvPr id="6146" name="Object 2"/>
@@ -23538,8 +23538,8 @@
           </a:p>
         </p:txBody>
       </p:sp>
-      <mc:AlternateContent xmlns:mc="http://schemas.openxmlformats.org/markup-compatibility/2006">
-        <mc:Choice xmlns:a14="http://schemas.microsoft.com/office/drawing/2010/main" Requires="a14">
+      <mc:AlternateContent xmlns:mc="http://schemas.openxmlformats.org/markup-compatibility/2006" xmlns:a14="http://schemas.microsoft.com/office/drawing/2010/main">
+        <mc:Choice Requires="a14">
           <p:sp>
             <p:nvSpPr>
               <p:cNvPr id="7170" name="Object 2"/>
@@ -23847,7 +23847,7 @@
             </p:txBody>
           </p:sp>
         </mc:Choice>
-        <mc:Fallback>
+        <mc:Fallback xmlns="">
           <p:sp>
             <p:nvSpPr>
               <p:cNvPr id="7170" name="Object 2"/>
@@ -23886,8 +23886,8 @@
           </p:sp>
         </mc:Fallback>
       </mc:AlternateContent>
-      <mc:AlternateContent xmlns:mc="http://schemas.openxmlformats.org/markup-compatibility/2006">
-        <mc:Choice xmlns:a14="http://schemas.microsoft.com/office/drawing/2010/main" Requires="a14">
+      <mc:AlternateContent xmlns:mc="http://schemas.openxmlformats.org/markup-compatibility/2006" xmlns:a14="http://schemas.microsoft.com/office/drawing/2010/main">
+        <mc:Choice Requires="a14">
           <p:sp>
             <p:nvSpPr>
               <p:cNvPr id="7171" name="Object 3"/>
@@ -24105,7 +24105,7 @@
             </p:txBody>
           </p:sp>
         </mc:Choice>
-        <mc:Fallback>
+        <mc:Fallback xmlns="">
           <p:sp>
             <p:nvSpPr>
               <p:cNvPr id="7171" name="Object 3"/>
@@ -24241,8 +24241,8 @@
           </a:solidFill>
         </p:spPr>
       </p:pic>
-      <mc:AlternateContent xmlns:mc="http://schemas.openxmlformats.org/markup-compatibility/2006">
-        <mc:Choice xmlns:a14="http://schemas.microsoft.com/office/drawing/2010/main" Requires="a14">
+      <mc:AlternateContent xmlns:mc="http://schemas.openxmlformats.org/markup-compatibility/2006" xmlns:a14="http://schemas.microsoft.com/office/drawing/2010/main">
+        <mc:Choice Requires="a14">
           <p:sp>
             <p:nvSpPr>
               <p:cNvPr id="8194" name="Object 2"/>
@@ -24419,7 +24419,7 @@
             </p:txBody>
           </p:sp>
         </mc:Choice>
-        <mc:Fallback>
+        <mc:Fallback xmlns="">
           <p:sp>
             <p:nvSpPr>
               <p:cNvPr id="8194" name="Object 2"/>
@@ -24632,8 +24632,8 @@
           </a:p>
         </p:txBody>
       </p:sp>
-      <mc:AlternateContent xmlns:mc="http://schemas.openxmlformats.org/markup-compatibility/2006">
-        <mc:Choice xmlns:a14="http://schemas.microsoft.com/office/drawing/2010/main" Requires="a14">
+      <mc:AlternateContent xmlns:mc="http://schemas.openxmlformats.org/markup-compatibility/2006" xmlns:a14="http://schemas.microsoft.com/office/drawing/2010/main">
+        <mc:Choice Requires="a14">
           <p:sp>
             <p:nvSpPr>
               <p:cNvPr id="9218" name="Object 2"/>
@@ -24810,7 +24810,7 @@
             </p:txBody>
           </p:sp>
         </mc:Choice>
-        <mc:Fallback>
+        <mc:Fallback xmlns="">
           <p:sp>
             <p:nvSpPr>
               <p:cNvPr id="9218" name="Object 2"/>
@@ -24849,8 +24849,8 @@
           </p:sp>
         </mc:Fallback>
       </mc:AlternateContent>
-      <mc:AlternateContent xmlns:mc="http://schemas.openxmlformats.org/markup-compatibility/2006">
-        <mc:Choice xmlns:a14="http://schemas.microsoft.com/office/drawing/2010/main" Requires="a14">
+      <mc:AlternateContent xmlns:mc="http://schemas.openxmlformats.org/markup-compatibility/2006" xmlns:a14="http://schemas.microsoft.com/office/drawing/2010/main">
+        <mc:Choice Requires="a14">
           <p:sp>
             <p:nvSpPr>
               <p:cNvPr id="9219" name="Object 3"/>
@@ -25384,7 +25384,7 @@
             </p:txBody>
           </p:sp>
         </mc:Choice>
-        <mc:Fallback>
+        <mc:Fallback xmlns="">
           <p:sp>
             <p:nvSpPr>
               <p:cNvPr id="9219" name="Object 3"/>
@@ -25497,8 +25497,8 @@
           </a:p>
         </p:txBody>
       </p:sp>
-      <mc:AlternateContent xmlns:mc="http://schemas.openxmlformats.org/markup-compatibility/2006">
-        <mc:Choice xmlns:a14="http://schemas.microsoft.com/office/drawing/2010/main" Requires="a14">
+      <mc:AlternateContent xmlns:mc="http://schemas.openxmlformats.org/markup-compatibility/2006" xmlns:a14="http://schemas.microsoft.com/office/drawing/2010/main">
+        <mc:Choice Requires="a14">
           <p:sp>
             <p:nvSpPr>
               <p:cNvPr id="8194" name="Object 2"/>
@@ -25521,7 +25521,6 @@
               </a:bodyPr>
               <a:lstStyle/>
               <a:p>
-                <a:pPr/>
                 <a14:m>
                   <m:oMath xmlns:m="http://schemas.openxmlformats.org/officeDocument/2006/math">
                     <m:r>
@@ -25866,7 +25865,7 @@
             </p:txBody>
           </p:sp>
         </mc:Choice>
-        <mc:Fallback>
+        <mc:Fallback xmlns="">
           <p:sp>
             <p:nvSpPr>
               <p:cNvPr id="8194" name="Object 2"/>
@@ -26255,8 +26254,8 @@
           </a:p>
         </p:txBody>
       </p:sp>
-      <mc:AlternateContent xmlns:mc="http://schemas.openxmlformats.org/markup-compatibility/2006">
-        <mc:Choice xmlns:a14="http://schemas.microsoft.com/office/drawing/2010/main" Requires="a14">
+      <mc:AlternateContent xmlns:mc="http://schemas.openxmlformats.org/markup-compatibility/2006" xmlns:a14="http://schemas.microsoft.com/office/drawing/2010/main">
+        <mc:Choice Requires="a14">
           <p:sp>
             <p:nvSpPr>
               <p:cNvPr id="1027" name="Object 3"/>
@@ -26416,7 +26415,7 @@
             </p:txBody>
           </p:sp>
         </mc:Choice>
-        <mc:Fallback>
+        <mc:Fallback xmlns="">
           <p:sp>
             <p:nvSpPr>
               <p:cNvPr id="1027" name="Object 3"/>
@@ -26551,8 +26550,8 @@
           </a:p>
         </p:txBody>
       </p:sp>
-      <mc:AlternateContent xmlns:mc="http://schemas.openxmlformats.org/markup-compatibility/2006">
-        <mc:Choice xmlns:a14="http://schemas.microsoft.com/office/drawing/2010/main" Requires="a14">
+      <mc:AlternateContent xmlns:mc="http://schemas.openxmlformats.org/markup-compatibility/2006" xmlns:a14="http://schemas.microsoft.com/office/drawing/2010/main">
+        <mc:Choice Requires="a14">
           <p:sp>
             <p:nvSpPr>
               <p:cNvPr id="9218" name="Object 2"/>
@@ -26798,7 +26797,7 @@
             </p:txBody>
           </p:sp>
         </mc:Choice>
-        <mc:Fallback>
+        <mc:Fallback xmlns="">
           <p:sp>
             <p:nvSpPr>
               <p:cNvPr id="9218" name="Object 2"/>
@@ -26871,7 +26870,7 @@
                       <m:f>
                         <m:fPr>
                           <m:ctrlPr>
-                            <a:rPr lang="en-IN" i="1">
+                            <a:rPr lang="en-IN" i="1" smtClean="0">
                               <a:solidFill>
                                 <a:srgbClr val="000000"/>
                               </a:solidFill>
@@ -27040,6 +27039,29 @@
                         </a:rPr>
                         <m:t>𝑔</m:t>
                       </m:r>
+                      <m:d>
+                        <m:dPr>
+                          <m:ctrlPr>
+                            <a:rPr lang="en-IN" i="1">
+                              <a:solidFill>
+                                <a:srgbClr val="000000"/>
+                              </a:solidFill>
+                              <a:latin typeface="Cambria Math" panose="02040503050406030204" pitchFamily="18" charset="0"/>
+                            </a:rPr>
+                          </m:ctrlPr>
+                        </m:dPr>
+                        <m:e>
+                          <m:r>
+                            <a:rPr lang="en-IN" i="1">
+                              <a:solidFill>
+                                <a:srgbClr val="000000"/>
+                              </a:solidFill>
+                              <a:latin typeface="Cambria Math" panose="02040503050406030204" pitchFamily="18" charset="0"/>
+                            </a:rPr>
+                            <m:t>𝑍</m:t>
+                          </m:r>
+                        </m:e>
+                      </m:d>
                       <m:r>
                         <a:rPr lang="en-IN" i="1">
                           <a:solidFill>
@@ -27047,25 +27069,7 @@
                           </a:solidFill>
                           <a:latin typeface="Cambria Math" panose="02040503050406030204" pitchFamily="18" charset="0"/>
                         </a:rPr>
-                        <m:t>(</m:t>
-                      </m:r>
-                      <m:r>
-                        <a:rPr lang="en-IN" i="1">
-                          <a:solidFill>
-                            <a:srgbClr val="000000"/>
-                          </a:solidFill>
-                          <a:latin typeface="Cambria Math" panose="02040503050406030204" pitchFamily="18" charset="0"/>
-                        </a:rPr>
-                        <m:t>𝑍</m:t>
-                      </m:r>
-                      <m:r>
-                        <a:rPr lang="en-IN" i="1">
-                          <a:solidFill>
-                            <a:srgbClr val="000000"/>
-                          </a:solidFill>
-                          <a:latin typeface="Cambria Math" panose="02040503050406030204" pitchFamily="18" charset="0"/>
-                        </a:rPr>
-                        <m:t>)=</m:t>
+                        <m:t>=</m:t>
                       </m:r>
                       <m:r>
                         <m:rPr>
@@ -27080,28 +27084,22 @@
                         <m:t> 0.01 </m:t>
                       </m:r>
                       <m:r>
-                        <m:rPr>
-                          <m:nor/>
-                        </m:rPr>
-                        <a:rPr lang="en-IN" i="0">
+                        <a:rPr lang="en-GB" b="0" i="1" smtClean="0">
                           <a:solidFill>
                             <a:srgbClr val="000000"/>
                           </a:solidFill>
                           <a:latin typeface="Cambria Math" panose="02040503050406030204" pitchFamily="18" charset="0"/>
                         </a:rPr>
-                        <m:t>Z</m:t>
+                        <m:t>     </m:t>
                       </m:r>
                       <m:r>
-                        <m:rPr>
-                          <m:nor/>
-                        </m:rPr>
-                        <a:rPr lang="en-IN" i="0">
+                        <a:rPr lang="en-GB" b="0" i="1" smtClean="0">
                           <a:solidFill>
                             <a:srgbClr val="000000"/>
                           </a:solidFill>
                           <a:latin typeface="Cambria Math" panose="02040503050406030204" pitchFamily="18" charset="0"/>
                         </a:rPr>
-                        <m:t> </m:t>
+                        <m:t>𝑍</m:t>
                       </m:r>
                       <m:r>
                         <a:rPr lang="en-IN" i="1">
@@ -28432,8 +28430,8 @@
           </a:p>
         </p:txBody>
       </p:sp>
-      <mc:AlternateContent xmlns:mc="http://schemas.openxmlformats.org/markup-compatibility/2006">
-        <mc:Choice xmlns:a14="http://schemas.microsoft.com/office/drawing/2010/main" Requires="a14">
+      <mc:AlternateContent xmlns:mc="http://schemas.openxmlformats.org/markup-compatibility/2006" xmlns:a14="http://schemas.microsoft.com/office/drawing/2010/main">
+        <mc:Choice Requires="a14">
           <p:sp>
             <p:nvSpPr>
               <p:cNvPr id="15362" name="Object 2"/>
@@ -29329,7 +29327,7 @@
             </p:txBody>
           </p:sp>
         </mc:Choice>
-        <mc:Fallback>
+        <mc:Fallback xmlns="">
           <p:sp>
             <p:nvSpPr>
               <p:cNvPr id="15362" name="Object 2"/>
@@ -30213,8 +30211,8 @@
           </a:p>
         </p:txBody>
       </p:sp>
-      <mc:AlternateContent xmlns:mc="http://schemas.openxmlformats.org/markup-compatibility/2006">
-        <mc:Choice xmlns:a14="http://schemas.microsoft.com/office/drawing/2010/main" Requires="a14">
+      <mc:AlternateContent xmlns:mc="http://schemas.openxmlformats.org/markup-compatibility/2006" xmlns:a14="http://schemas.microsoft.com/office/drawing/2010/main">
+        <mc:Choice Requires="a14">
           <p:sp>
             <p:nvSpPr>
               <p:cNvPr id="3" name="Content Placeholder 2"/>
@@ -30366,7 +30364,7 @@
             </p:txBody>
           </p:sp>
         </mc:Choice>
-        <mc:Fallback>
+        <mc:Fallback xmlns="">
           <p:sp>
             <p:nvSpPr>
               <p:cNvPr id="3" name="Content Placeholder 2"/>
@@ -34208,8 +34206,8 @@
           </a:p>
         </p:txBody>
       </p:sp>
-      <mc:AlternateContent xmlns:mc="http://schemas.openxmlformats.org/markup-compatibility/2006">
-        <mc:Choice xmlns:a14="http://schemas.microsoft.com/office/drawing/2010/main" Requires="a14">
+      <mc:AlternateContent xmlns:mc="http://schemas.openxmlformats.org/markup-compatibility/2006" xmlns:a14="http://schemas.microsoft.com/office/drawing/2010/main">
+        <mc:Choice Requires="a14">
           <p:sp>
             <p:nvSpPr>
               <p:cNvPr id="7" name="Object 6"/>
@@ -34521,7 +34519,7 @@
             </p:txBody>
           </p:sp>
         </mc:Choice>
-        <mc:Fallback>
+        <mc:Fallback xmlns="">
           <p:sp>
             <p:nvSpPr>
               <p:cNvPr id="7" name="Object 6"/>
@@ -34916,8 +34914,8 @@
           </a:p>
         </p:txBody>
       </p:sp>
-      <mc:AlternateContent xmlns:mc="http://schemas.openxmlformats.org/markup-compatibility/2006">
-        <mc:Choice xmlns:a14="http://schemas.microsoft.com/office/drawing/2010/main" Requires="a14">
+      <mc:AlternateContent xmlns:mc="http://schemas.openxmlformats.org/markup-compatibility/2006" xmlns:a14="http://schemas.microsoft.com/office/drawing/2010/main">
+        <mc:Choice Requires="a14">
           <p:sp>
             <p:nvSpPr>
               <p:cNvPr id="7" name="Object 6"/>
@@ -35498,7 +35496,7 @@
             </p:txBody>
           </p:sp>
         </mc:Choice>
-        <mc:Fallback>
+        <mc:Fallback xmlns="">
           <p:sp>
             <p:nvSpPr>
               <p:cNvPr id="7" name="Object 6"/>
@@ -35893,8 +35891,8 @@
           </a:p>
         </p:txBody>
       </p:sp>
-      <mc:AlternateContent xmlns:mc="http://schemas.openxmlformats.org/markup-compatibility/2006">
-        <mc:Choice xmlns:a14="http://schemas.microsoft.com/office/drawing/2010/main" Requires="a14">
+      <mc:AlternateContent xmlns:mc="http://schemas.openxmlformats.org/markup-compatibility/2006" xmlns:a14="http://schemas.microsoft.com/office/drawing/2010/main">
+        <mc:Choice Requires="a14">
           <p:sp>
             <p:nvSpPr>
               <p:cNvPr id="7" name="Object 6"/>
@@ -36766,7 +36764,7 @@
             </p:txBody>
           </p:sp>
         </mc:Choice>
-        <mc:Fallback>
+        <mc:Fallback xmlns="">
           <p:sp>
             <p:nvSpPr>
               <p:cNvPr id="7" name="Object 6"/>
@@ -37161,8 +37159,8 @@
           </a:p>
         </p:txBody>
       </p:sp>
-      <mc:AlternateContent xmlns:mc="http://schemas.openxmlformats.org/markup-compatibility/2006">
-        <mc:Choice xmlns:a14="http://schemas.microsoft.com/office/drawing/2010/main" Requires="a14">
+      <mc:AlternateContent xmlns:mc="http://schemas.openxmlformats.org/markup-compatibility/2006" xmlns:a14="http://schemas.microsoft.com/office/drawing/2010/main">
+        <mc:Choice Requires="a14">
           <p:sp>
             <p:nvSpPr>
               <p:cNvPr id="7" name="Object 6"/>
@@ -38332,7 +38330,7 @@
             </p:txBody>
           </p:sp>
         </mc:Choice>
-        <mc:Fallback>
+        <mc:Fallback xmlns="">
           <p:sp>
             <p:nvSpPr>
               <p:cNvPr id="7" name="Object 6"/>
@@ -38882,8 +38880,8 @@
           </a:p>
         </p:txBody>
       </p:sp>
-      <mc:AlternateContent xmlns:mc="http://schemas.openxmlformats.org/markup-compatibility/2006">
-        <mc:Choice xmlns:a14="http://schemas.microsoft.com/office/drawing/2010/main" Requires="a14">
+      <mc:AlternateContent xmlns:mc="http://schemas.openxmlformats.org/markup-compatibility/2006" xmlns:a14="http://schemas.microsoft.com/office/drawing/2010/main">
+        <mc:Choice Requires="a14">
           <p:sp>
             <p:nvSpPr>
               <p:cNvPr id="7" name="Object 6"/>
@@ -39208,7 +39206,7 @@
             </p:txBody>
           </p:sp>
         </mc:Choice>
-        <mc:Fallback>
+        <mc:Fallback xmlns="">
           <p:sp>
             <p:nvSpPr>
               <p:cNvPr id="7" name="Object 6"/>
@@ -40569,7 +40567,7 @@
                               </a:solidFill>
                               <a:latin typeface="Cambria Math" panose="02040503050406030204" pitchFamily="18" charset="0"/>
                             </a:rPr>
-                            <m:t>𝑧</m:t>
+                            <m:t>𝑎</m:t>
                           </m:r>
                           <m:d>
                             <m:dPr>
@@ -40599,7 +40597,7 @@
                                   </a:solidFill>
                                   <a:latin typeface="Cambria Math" panose="02040503050406030204" pitchFamily="18" charset="0"/>
                                 </a:rPr>
-                                <m:t>𝑧</m:t>
+                                <m:t>𝑎</m:t>
                               </m:r>
                             </m:e>
                           </m:d>
@@ -41211,8 +41209,8 @@
           </a:p>
         </p:txBody>
       </p:sp>
-      <mc:AlternateContent xmlns:mc="http://schemas.openxmlformats.org/markup-compatibility/2006">
-        <mc:Choice xmlns:a14="http://schemas.microsoft.com/office/drawing/2010/main" Requires="a14">
+      <mc:AlternateContent xmlns:mc="http://schemas.openxmlformats.org/markup-compatibility/2006" xmlns:a14="http://schemas.microsoft.com/office/drawing/2010/main">
+        <mc:Choice Requires="a14">
           <p:sp>
             <p:nvSpPr>
               <p:cNvPr id="7" name="Object 6"/>
@@ -42034,7 +42032,7 @@
             </p:txBody>
           </p:sp>
         </mc:Choice>
-        <mc:Fallback>
+        <mc:Fallback xmlns="">
           <p:sp>
             <p:nvSpPr>
               <p:cNvPr id="7" name="Object 6"/>
@@ -42540,8 +42538,8 @@
           </a:p>
         </p:txBody>
       </p:sp>
-      <mc:AlternateContent xmlns:mc="http://schemas.openxmlformats.org/markup-compatibility/2006">
-        <mc:Choice xmlns:a14="http://schemas.microsoft.com/office/drawing/2010/main" Requires="a14">
+      <mc:AlternateContent xmlns:mc="http://schemas.openxmlformats.org/markup-compatibility/2006" xmlns:a14="http://schemas.microsoft.com/office/drawing/2010/main">
+        <mc:Choice Requires="a14">
           <p:sp>
             <p:nvSpPr>
               <p:cNvPr id="7" name="Object 6"/>
@@ -43352,7 +43350,7 @@
             </p:txBody>
           </p:sp>
         </mc:Choice>
-        <mc:Fallback>
+        <mc:Fallback xmlns="">
           <p:sp>
             <p:nvSpPr>
               <p:cNvPr id="7" name="Object 6"/>
@@ -43858,8 +43856,8 @@
           </a:p>
         </p:txBody>
       </p:sp>
-      <mc:AlternateContent xmlns:mc="http://schemas.openxmlformats.org/markup-compatibility/2006">
-        <mc:Choice xmlns:a14="http://schemas.microsoft.com/office/drawing/2010/main" Requires="a14">
+      <mc:AlternateContent xmlns:mc="http://schemas.openxmlformats.org/markup-compatibility/2006" xmlns:a14="http://schemas.microsoft.com/office/drawing/2010/main">
+        <mc:Choice Requires="a14">
           <p:sp>
             <p:nvSpPr>
               <p:cNvPr id="7" name="Object 6"/>
@@ -44328,7 +44326,7 @@
             </p:txBody>
           </p:sp>
         </mc:Choice>
-        <mc:Fallback>
+        <mc:Fallback xmlns="">
           <p:sp>
             <p:nvSpPr>
               <p:cNvPr id="7" name="Object 6"/>
